--- a/AICTE PPT Template (1).pptx
+++ b/AICTE PPT Template (1).pptx
@@ -219,7 +219,7 @@
           <a:p>
             <a:fld id="{46256A78-79A6-408F-8148-4F87BB81602D}" type="datetimeFigureOut">
               <a:rPr lang="en-IN" smtClean="0"/>
-              <a:t>25-02-2025</a:t>
+              <a:t>26-02-2025</a:t>
             </a:fld>
             <a:endParaRPr lang="en-IN"/>
           </a:p>
@@ -723,7 +723,7 @@
           <a:p>
             <a:fld id="{ED291B17-9318-49DB-B28B-6E5994AE9581}" type="datetime1">
               <a:rPr lang="en-US" smtClean="0"/>
-              <a:t>2/25/2025</a:t>
+              <a:t>2/26/2025</a:t>
             </a:fld>
             <a:endParaRPr lang="en-US"/>
           </a:p>
@@ -932,7 +932,7 @@
           <a:p>
             <a:fld id="{2CED4963-E985-44C4-B8C4-FDD613B7C2F8}" type="datetime1">
               <a:rPr lang="en-US" smtClean="0"/>
-              <a:t>2/25/2025</a:t>
+              <a:t>2/26/2025</a:t>
             </a:fld>
             <a:endParaRPr lang="en-US"/>
           </a:p>
@@ -1300,7 +1300,7 @@
           <a:p>
             <a:fld id="{ED291B17-9318-49DB-B28B-6E5994AE9581}" type="datetime1">
               <a:rPr lang="en-US" smtClean="0"/>
-              <a:t>2/25/2025</a:t>
+              <a:t>2/26/2025</a:t>
             </a:fld>
             <a:endParaRPr lang="en-US"/>
           </a:p>
@@ -1504,7 +1504,7 @@
           <a:p>
             <a:fld id="{78DD82B9-B8EE-4375-B6FF-88FA6ABB15D9}" type="datetime1">
               <a:rPr lang="en-US" smtClean="0"/>
-              <a:t>2/25/2025</a:t>
+              <a:t>2/26/2025</a:t>
             </a:fld>
             <a:endParaRPr lang="en-US"/>
           </a:p>
@@ -1761,7 +1761,7 @@
           <a:p>
             <a:fld id="{B2497495-0637-405E-AE64-5CC7506D51F5}" type="datetime1">
               <a:rPr lang="en-US" smtClean="0"/>
-              <a:t>2/25/2025</a:t>
+              <a:t>2/26/2025</a:t>
             </a:fld>
             <a:endParaRPr lang="en-US"/>
           </a:p>
@@ -2019,7 +2019,7 @@
           <a:p>
             <a:fld id="{7BFFD690-9426-415D-8B65-26881E07B2D4}" type="datetime1">
               <a:rPr lang="en-US" smtClean="0"/>
-              <a:t>2/25/2025</a:t>
+              <a:t>2/26/2025</a:t>
             </a:fld>
             <a:endParaRPr lang="en-US"/>
           </a:p>
@@ -2446,7 +2446,7 @@
           <a:p>
             <a:fld id="{04C4989A-474C-40DE-95B9-011C28B71673}" type="datetime1">
               <a:rPr lang="en-US" smtClean="0"/>
-              <a:t>2/25/2025</a:t>
+              <a:t>2/26/2025</a:t>
             </a:fld>
             <a:endParaRPr lang="en-US"/>
           </a:p>
@@ -2576,7 +2576,7 @@
           <a:p>
             <a:fld id="{5DB4ED54-5B5E-4A04-93D3-5772E3CE3818}" type="datetime1">
               <a:rPr lang="en-US" smtClean="0"/>
-              <a:t>2/25/2025</a:t>
+              <a:t>2/26/2025</a:t>
             </a:fld>
             <a:endParaRPr lang="en-US"/>
           </a:p>
@@ -2679,7 +2679,7 @@
           <a:p>
             <a:fld id="{4EDE50D6-574B-40AF-946F-D52A04ADE379}" type="datetime1">
               <a:rPr lang="en-US" smtClean="0"/>
-              <a:t>2/25/2025</a:t>
+              <a:t>2/26/2025</a:t>
             </a:fld>
             <a:endParaRPr lang="en-US"/>
           </a:p>
@@ -3062,7 +3062,7 @@
           <a:p>
             <a:fld id="{D82884F1-FFEA-405F-9602-3DCA865EDA4E}" type="datetime1">
               <a:rPr lang="en-US" smtClean="0"/>
-              <a:t>2/25/2025</a:t>
+              <a:t>2/26/2025</a:t>
             </a:fld>
             <a:endParaRPr lang="en-US"/>
           </a:p>
@@ -3356,7 +3356,7 @@
           <a:p>
             <a:fld id="{7E18DB4A-8810-4A10-AD5C-D5E2C667F5B3}" type="datetime1">
               <a:rPr lang="en-US" smtClean="0"/>
-              <a:t>2/25/2025</a:t>
+              <a:t>2/26/2025</a:t>
             </a:fld>
             <a:endParaRPr lang="en-US"/>
           </a:p>
@@ -3577,7 +3577,7 @@
           <a:p>
             <a:fld id="{ED291B17-9318-49DB-B28B-6E5994AE9581}" type="datetime1">
               <a:rPr lang="en-US" smtClean="0"/>
-              <a:t>2/25/2025</a:t>
+              <a:t>2/26/2025</a:t>
             </a:fld>
             <a:endParaRPr lang="en-US"/>
           </a:p>
@@ -4454,10 +4454,16 @@
           <a:bodyPr/>
           <a:lstStyle/>
           <a:p>
-            <a:r>
-              <a:rPr lang="en-IN" dirty="0"/>
-              <a:t>Make sure that there should be readme file</a:t>
-            </a:r>
+            <a:pPr marL="0" indent="0">
+              <a:buNone/>
+            </a:pPr>
+            <a:r>
+              <a:rPr lang="en-IN" dirty="0">
+                <a:hlinkClick r:id="rId2"/>
+              </a:rPr>
+              <a:t>https://github.com/SrishtiShil/cypro.git</a:t>
+            </a:r>
+            <a:endParaRPr lang="en-IN" dirty="0"/>
           </a:p>
         </p:txBody>
       </p:sp>
@@ -6879,15 +6885,30 @@
             <p:ph idx="1"/>
           </p:nvPr>
         </p:nvSpPr>
-        <p:spPr/>
-        <p:txBody>
-          <a:bodyPr/>
+        <p:spPr>
+          <a:xfrm>
+            <a:off x="581190" y="1844097"/>
+            <a:ext cx="11029615" cy="3528003"/>
+          </a:xfrm>
+        </p:spPr>
+        <p:txBody>
+          <a:bodyPr>
+            <a:normAutofit lnSpcReduction="10000"/>
+          </a:bodyPr>
           <a:lstStyle/>
           <a:p>
-            <a:r>
-              <a:rPr lang="en-IN" dirty="0"/>
-              <a:t>Conclude your project concerning your problem statement</a:t>
-            </a:r>
+            <a:pPr marL="0" indent="0">
+              <a:buNone/>
+            </a:pPr>
+            <a:r>
+              <a:rPr lang="en-US" sz="2400" dirty="0"/>
+              <a:t>This project successfully demonstrates the use of image steganography for secure data hiding, ensuring covert communication while maintaining image integrity. By embedding secret messages within pixel values and implementing password-protected decryption, the system enhances data security and prevents unauthorized access. The approach is lightweight, efficient, and applicable across various fields, including cybersecurity, military intelligence, and secure financial transactions. With its minimal resource requirements and robust encryption potential, this technique provides a reliable solution for protecting sensitive information in digital communication</a:t>
+            </a:r>
+            <a:r>
+              <a:rPr lang="en-US" dirty="0"/>
+              <a:t>.</a:t>
+            </a:r>
+            <a:endParaRPr lang="en-IN" dirty="0"/>
           </a:p>
         </p:txBody>
       </p:sp>
@@ -7469,12 +7490,11 @@
 </file>
 
 <file path=customXml/item1.xml><?xml version="1.0" encoding="utf-8"?>
-<?mso-contentType ?>
-<FormTemplates xmlns="http://schemas.microsoft.com/sharepoint/v3/contenttype/forms">
-  <Display>DocumentLibraryForm</Display>
-  <Edit>DocumentLibraryForm</Edit>
-  <New>DocumentLibraryForm</New>
-</FormTemplates>
+<p:properties xmlns:p="http://schemas.microsoft.com/office/2006/metadata/properties" xmlns:xsi="http://www.w3.org/2001/XMLSchema-instance" xmlns:pc="http://schemas.microsoft.com/office/infopath/2007/PartnerControls">
+  <documentManagement>
+    <_activity xmlns="b30265f8-c5e2-4918-b4a1-b977299ca3e2" xsi:nil="true"/>
+  </documentManagement>
+</p:properties>
 </file>
 
 <file path=customXml/item2.xml><?xml version="1.0" encoding="utf-8"?>
@@ -7711,17 +7731,27 @@
 </file>
 
 <file path=customXml/item3.xml><?xml version="1.0" encoding="utf-8"?>
-<p:properties xmlns:p="http://schemas.microsoft.com/office/2006/metadata/properties" xmlns:xsi="http://www.w3.org/2001/XMLSchema-instance" xmlns:pc="http://schemas.microsoft.com/office/infopath/2007/PartnerControls">
-  <documentManagement>
-    <_activity xmlns="b30265f8-c5e2-4918-b4a1-b977299ca3e2" xsi:nil="true"/>
-  </documentManagement>
-</p:properties>
+<?mso-contentType ?>
+<FormTemplates xmlns="http://schemas.microsoft.com/sharepoint/v3/contenttype/forms">
+  <Display>DocumentLibraryForm</Display>
+  <Edit>DocumentLibraryForm</Edit>
+  <New>DocumentLibraryForm</New>
+</FormTemplates>
 </file>
 
 <file path=customXml/itemProps1.xml><?xml version="1.0" encoding="utf-8"?>
-<ds:datastoreItem xmlns:ds="http://schemas.openxmlformats.org/officeDocument/2006/customXml" ds:itemID="{927BD4C1-B6B1-4715-ABF9-E660A51A4EA0}">
+<ds:datastoreItem xmlns:ds="http://schemas.openxmlformats.org/officeDocument/2006/customXml" ds:itemID="{8D289AE2-D2AE-49D1-AFAC-3A79F6794255}">
   <ds:schemaRefs>
-    <ds:schemaRef ds:uri="http://schemas.microsoft.com/sharepoint/v3/contenttype/forms"/>
+    <ds:schemaRef ds:uri="http://schemas.openxmlformats.org/package/2006/metadata/core-properties"/>
+    <ds:schemaRef ds:uri="http://schemas.microsoft.com/office/2006/documentManagement/types"/>
+    <ds:schemaRef ds:uri="http://purl.org/dc/dcmitype/"/>
+    <ds:schemaRef ds:uri="http://schemas.microsoft.com/office/infopath/2007/PartnerControls"/>
+    <ds:schemaRef ds:uri="http://purl.org/dc/elements/1.1/"/>
+    <ds:schemaRef ds:uri="http://schemas.microsoft.com/office/2006/metadata/properties"/>
+    <ds:schemaRef ds:uri="fadb41d3-f9cb-40fb-903c-8cacaba95bb5"/>
+    <ds:schemaRef ds:uri="http://purl.org/dc/terms/"/>
+    <ds:schemaRef ds:uri="b30265f8-c5e2-4918-b4a1-b977299ca3e2"/>
+    <ds:schemaRef ds:uri="http://www.w3.org/XML/1998/namespace"/>
   </ds:schemaRefs>
 </ds:datastoreItem>
 </file>
@@ -7746,18 +7776,9 @@
 </file>
 
 <file path=customXml/itemProps3.xml><?xml version="1.0" encoding="utf-8"?>
-<ds:datastoreItem xmlns:ds="http://schemas.openxmlformats.org/officeDocument/2006/customXml" ds:itemID="{8D289AE2-D2AE-49D1-AFAC-3A79F6794255}">
+<ds:datastoreItem xmlns:ds="http://schemas.openxmlformats.org/officeDocument/2006/customXml" ds:itemID="{927BD4C1-B6B1-4715-ABF9-E660A51A4EA0}">
   <ds:schemaRefs>
-    <ds:schemaRef ds:uri="http://schemas.openxmlformats.org/package/2006/metadata/core-properties"/>
-    <ds:schemaRef ds:uri="http://schemas.microsoft.com/office/2006/documentManagement/types"/>
-    <ds:schemaRef ds:uri="http://purl.org/dc/dcmitype/"/>
-    <ds:schemaRef ds:uri="http://schemas.microsoft.com/office/infopath/2007/PartnerControls"/>
-    <ds:schemaRef ds:uri="http://purl.org/dc/elements/1.1/"/>
-    <ds:schemaRef ds:uri="http://schemas.microsoft.com/office/2006/metadata/properties"/>
-    <ds:schemaRef ds:uri="fadb41d3-f9cb-40fb-903c-8cacaba95bb5"/>
-    <ds:schemaRef ds:uri="http://purl.org/dc/terms/"/>
-    <ds:schemaRef ds:uri="b30265f8-c5e2-4918-b4a1-b977299ca3e2"/>
-    <ds:schemaRef ds:uri="http://www.w3.org/XML/1998/namespace"/>
+    <ds:schemaRef ds:uri="http://schemas.microsoft.com/sharepoint/v3/contenttype/forms"/>
   </ds:schemaRefs>
 </ds:datastoreItem>
 </file>